--- a/Referat/QuantumProgrammingEnvironments.pptx
+++ b/Referat/QuantumProgrammingEnvironments.pptx
@@ -21,7 +21,7 @@
     <p:sldId id="269" r:id="rId15"/>
     <p:sldId id="270" r:id="rId16"/>
     <p:sldId id="271" r:id="rId17"/>
-    <p:sldId id="273" r:id="rId18"/>
+    <p:sldId id="275" r:id="rId18"/>
   </p:sldIdLst>
   <p:sldSz cx="12192000" cy="6858000"/>
   <p:notesSz cx="6858000" cy="9144000"/>
@@ -120,6 +120,11 @@
       </a:defRPr>
     </a:lvl9pPr>
   </p:defaultTextStyle>
+  <p:extLst>
+    <p:ext uri="{EFAFB233-063F-42B5-8137-9DF3F51BA10A}">
+      <p15:sldGuideLst xmlns:p15="http://schemas.microsoft.com/office/powerpoint/2012/main"/>
+    </p:ext>
+  </p:extLst>
 </p:presentation>
 </file>
 
@@ -306,7 +311,7 @@
           </a:lstStyle>
           <a:p>
             <a:r>
-              <a:rPr lang="en-US" smtClean="0"/>
+              <a:rPr lang="en-US"/>
               <a:t>Click to edit Master title style</a:t>
             </a:r>
             <a:endParaRPr lang="en-US" dirty="0"/>
@@ -425,7 +430,7 @@
           </a:lstStyle>
           <a:p>
             <a:r>
-              <a:rPr lang="en-US" smtClean="0"/>
+              <a:rPr lang="en-US"/>
               <a:t>Click to edit Master subtitle style</a:t>
             </a:r>
             <a:endParaRPr lang="en-US" dirty="0"/>
@@ -455,7 +460,7 @@
             <a:fld id="{B61BEF0D-F0BB-DE4B-95CE-6DB70DBA9567}" type="datetimeFigureOut">
               <a:rPr lang="en-US" dirty="0"/>
               <a:pPr/>
-              <a:t>5/26/2022</a:t>
+              <a:t>5/27/2022</a:t>
             </a:fld>
             <a:endParaRPr lang="en-US" dirty="0"/>
           </a:p>
@@ -596,7 +601,7 @@
           </a:lstStyle>
           <a:p>
             <a:r>
-              <a:rPr lang="en-US" smtClean="0"/>
+              <a:rPr lang="en-US"/>
               <a:t>Click to edit Master title style</a:t>
             </a:r>
             <a:endParaRPr lang="en-US" dirty="0"/>
@@ -684,7 +689,7 @@
           </a:lstStyle>
           <a:p>
             <a:r>
-              <a:rPr lang="en-US" smtClean="0"/>
+              <a:rPr lang="en-US"/>
               <a:t>Click icon to add picture</a:t>
             </a:r>
             <a:endParaRPr lang="en-US" dirty="0"/>
@@ -752,7 +757,7 @@
           <a:p>
             <a:pPr lvl="0"/>
             <a:r>
-              <a:rPr lang="en-US" smtClean="0"/>
+              <a:rPr lang="en-US"/>
               <a:t>Click to edit Master text styles</a:t>
             </a:r>
           </a:p>
@@ -776,7 +781,7 @@
             <a:fld id="{B61BEF0D-F0BB-DE4B-95CE-6DB70DBA9567}" type="datetimeFigureOut">
               <a:rPr lang="en-US" dirty="0"/>
               <a:pPr/>
-              <a:t>5/26/2022</a:t>
+              <a:t>5/27/2022</a:t>
             </a:fld>
             <a:endParaRPr lang="en-US" dirty="0"/>
           </a:p>
@@ -877,7 +882,7 @@
           </a:lstStyle>
           <a:p>
             <a:r>
-              <a:rPr lang="en-US" smtClean="0"/>
+              <a:rPr lang="en-US"/>
               <a:t>Click to edit Master title style</a:t>
             </a:r>
             <a:endParaRPr lang="en-US" dirty="0"/>
@@ -997,7 +1002,7 @@
           <a:p>
             <a:pPr lvl="0"/>
             <a:r>
-              <a:rPr lang="en-US" smtClean="0"/>
+              <a:rPr lang="en-US"/>
               <a:t>Click to edit Master text styles</a:t>
             </a:r>
           </a:p>
@@ -1021,7 +1026,7 @@
             <a:fld id="{B61BEF0D-F0BB-DE4B-95CE-6DB70DBA9567}" type="datetimeFigureOut">
               <a:rPr lang="en-US" dirty="0"/>
               <a:pPr/>
-              <a:t>5/26/2022</a:t>
+              <a:t>5/27/2022</a:t>
             </a:fld>
             <a:endParaRPr lang="en-US" dirty="0"/>
           </a:p>
@@ -1157,7 +1162,7 @@
           </a:lstStyle>
           <a:p>
             <a:r>
-              <a:rPr lang="en-US" smtClean="0"/>
+              <a:rPr lang="en-US"/>
               <a:t>Click to edit Master title style</a:t>
             </a:r>
             <a:endParaRPr lang="en-US" dirty="0"/>
@@ -1214,7 +1219,7 @@
           <a:p>
             <a:pPr lvl="0"/>
             <a:r>
-              <a:rPr lang="en-US" smtClean="0"/>
+              <a:rPr lang="en-US"/>
               <a:t>Click to edit Master text styles</a:t>
             </a:r>
           </a:p>
@@ -1333,7 +1338,7 @@
           <a:p>
             <a:pPr lvl="0"/>
             <a:r>
-              <a:rPr lang="en-US" smtClean="0"/>
+              <a:rPr lang="en-US"/>
               <a:t>Click to edit Master text styles</a:t>
             </a:r>
           </a:p>
@@ -1357,7 +1362,7 @@
             <a:fld id="{B61BEF0D-F0BB-DE4B-95CE-6DB70DBA9567}" type="datetimeFigureOut">
               <a:rPr lang="en-US" dirty="0"/>
               <a:pPr/>
-              <a:t>5/26/2022</a:t>
+              <a:t>5/27/2022</a:t>
             </a:fld>
             <a:endParaRPr lang="en-US" dirty="0"/>
           </a:p>
@@ -1557,7 +1562,7 @@
           </a:lstStyle>
           <a:p>
             <a:r>
-              <a:rPr lang="en-US" smtClean="0"/>
+              <a:rPr lang="en-US"/>
               <a:t>Click to edit Master title style</a:t>
             </a:r>
             <a:endParaRPr lang="en-US" dirty="0"/>
@@ -1677,7 +1682,7 @@
           <a:p>
             <a:pPr lvl="0"/>
             <a:r>
-              <a:rPr lang="en-US" smtClean="0"/>
+              <a:rPr lang="en-US"/>
               <a:t>Click to edit Master text styles</a:t>
             </a:r>
           </a:p>
@@ -1701,7 +1706,7 @@
             <a:fld id="{B61BEF0D-F0BB-DE4B-95CE-6DB70DBA9567}" type="datetimeFigureOut">
               <a:rPr lang="en-US" dirty="0"/>
               <a:pPr/>
-              <a:t>5/26/2022</a:t>
+              <a:t>5/27/2022</a:t>
             </a:fld>
             <a:endParaRPr lang="en-US" dirty="0"/>
           </a:p>
@@ -1806,7 +1811,7 @@
           </a:lstStyle>
           <a:p>
             <a:r>
-              <a:rPr lang="en-US" smtClean="0"/>
+              <a:rPr lang="en-US"/>
               <a:t>Click to edit Master title style</a:t>
             </a:r>
             <a:endParaRPr lang="en-US" dirty="0"/>
@@ -1929,7 +1934,7 @@
           <a:p>
             <a:pPr lvl="0"/>
             <a:r>
-              <a:rPr lang="en-US" smtClean="0"/>
+              <a:rPr lang="en-US"/>
               <a:t>Click to edit Master text styles</a:t>
             </a:r>
           </a:p>
@@ -2048,7 +2053,7 @@
           <a:p>
             <a:pPr lvl="0"/>
             <a:r>
-              <a:rPr lang="en-US" smtClean="0"/>
+              <a:rPr lang="en-US"/>
               <a:t>Click to edit Master text styles</a:t>
             </a:r>
           </a:p>
@@ -2072,7 +2077,7 @@
             <a:fld id="{B61BEF0D-F0BB-DE4B-95CE-6DB70DBA9567}" type="datetimeFigureOut">
               <a:rPr lang="en-US" dirty="0"/>
               <a:pPr/>
-              <a:t>5/26/2022</a:t>
+              <a:t>5/27/2022</a:t>
             </a:fld>
             <a:endParaRPr lang="en-US" dirty="0"/>
           </a:p>
@@ -2273,7 +2278,7 @@
           <a:p>
             <a:pPr marL="0" lvl="0"/>
             <a:r>
-              <a:rPr lang="en-US" smtClean="0"/>
+              <a:rPr lang="en-US"/>
               <a:t>Click to edit Master title style</a:t>
             </a:r>
             <a:endParaRPr lang="en-US" dirty="0"/>
@@ -2396,7 +2401,7 @@
           <a:p>
             <a:pPr lvl="0"/>
             <a:r>
-              <a:rPr lang="en-US" smtClean="0"/>
+              <a:rPr lang="en-US"/>
               <a:t>Click to edit Master text styles</a:t>
             </a:r>
           </a:p>
@@ -2515,7 +2520,7 @@
           <a:p>
             <a:pPr lvl="0"/>
             <a:r>
-              <a:rPr lang="en-US" smtClean="0"/>
+              <a:rPr lang="en-US"/>
               <a:t>Click to edit Master text styles</a:t>
             </a:r>
           </a:p>
@@ -2539,7 +2544,7 @@
             <a:fld id="{B61BEF0D-F0BB-DE4B-95CE-6DB70DBA9567}" type="datetimeFigureOut">
               <a:rPr lang="en-US" dirty="0"/>
               <a:pPr/>
-              <a:t>5/26/2022</a:t>
+              <a:t>5/27/2022</a:t>
             </a:fld>
             <a:endParaRPr lang="en-US" dirty="0"/>
           </a:p>
@@ -2664,7 +2669,7 @@
           </a:lstStyle>
           <a:p>
             <a:r>
-              <a:rPr lang="en-US" smtClean="0"/>
+              <a:rPr lang="en-US"/>
               <a:t>Click to edit Master title style</a:t>
             </a:r>
             <a:endParaRPr lang="en-US" dirty="0"/>
@@ -2688,35 +2693,35 @@
           <a:p>
             <a:pPr lvl="0"/>
             <a:r>
-              <a:rPr lang="en-US" smtClean="0"/>
+              <a:rPr lang="en-US"/>
               <a:t>Click to edit Master text styles</a:t>
             </a:r>
           </a:p>
           <a:p>
             <a:pPr lvl="1"/>
             <a:r>
-              <a:rPr lang="en-US" smtClean="0"/>
+              <a:rPr lang="en-US"/>
               <a:t>Second level</a:t>
             </a:r>
           </a:p>
           <a:p>
             <a:pPr lvl="2"/>
             <a:r>
-              <a:rPr lang="en-US" smtClean="0"/>
+              <a:rPr lang="en-US"/>
               <a:t>Third level</a:t>
             </a:r>
           </a:p>
           <a:p>
             <a:pPr lvl="3"/>
             <a:r>
-              <a:rPr lang="en-US" smtClean="0"/>
+              <a:rPr lang="en-US"/>
               <a:t>Fourth level</a:t>
             </a:r>
           </a:p>
           <a:p>
             <a:pPr lvl="4"/>
             <a:r>
-              <a:rPr lang="en-US" smtClean="0"/>
+              <a:rPr lang="en-US"/>
               <a:t>Fifth level</a:t>
             </a:r>
             <a:endParaRPr lang="en-US" dirty="0"/>
@@ -2741,7 +2746,7 @@
             <a:fld id="{B61BEF0D-F0BB-DE4B-95CE-6DB70DBA9567}" type="datetimeFigureOut">
               <a:rPr lang="en-US" dirty="0"/>
               <a:pPr/>
-              <a:t>5/26/2022</a:t>
+              <a:t>5/27/2022</a:t>
             </a:fld>
             <a:endParaRPr lang="en-US" dirty="0"/>
           </a:p>
@@ -2867,7 +2872,7 @@
           <a:lstStyle/>
           <a:p>
             <a:r>
-              <a:rPr lang="en-US" smtClean="0"/>
+              <a:rPr lang="en-US"/>
               <a:t>Click to edit Master title style</a:t>
             </a:r>
             <a:endParaRPr lang="en-US" dirty="0"/>
@@ -2896,35 +2901,35 @@
           <a:p>
             <a:pPr lvl="0"/>
             <a:r>
-              <a:rPr lang="en-US" smtClean="0"/>
+              <a:rPr lang="en-US"/>
               <a:t>Click to edit Master text styles</a:t>
             </a:r>
           </a:p>
           <a:p>
             <a:pPr lvl="1"/>
             <a:r>
-              <a:rPr lang="en-US" smtClean="0"/>
+              <a:rPr lang="en-US"/>
               <a:t>Second level</a:t>
             </a:r>
           </a:p>
           <a:p>
             <a:pPr lvl="2"/>
             <a:r>
-              <a:rPr lang="en-US" smtClean="0"/>
+              <a:rPr lang="en-US"/>
               <a:t>Third level</a:t>
             </a:r>
           </a:p>
           <a:p>
             <a:pPr lvl="3"/>
             <a:r>
-              <a:rPr lang="en-US" smtClean="0"/>
+              <a:rPr lang="en-US"/>
               <a:t>Fourth level</a:t>
             </a:r>
           </a:p>
           <a:p>
             <a:pPr lvl="4"/>
             <a:r>
-              <a:rPr lang="en-US" smtClean="0"/>
+              <a:rPr lang="en-US"/>
               <a:t>Fifth level</a:t>
             </a:r>
             <a:endParaRPr lang="en-US" dirty="0"/>
@@ -2949,7 +2954,7 @@
             <a:fld id="{B61BEF0D-F0BB-DE4B-95CE-6DB70DBA9567}" type="datetimeFigureOut">
               <a:rPr lang="en-US" dirty="0"/>
               <a:pPr/>
-              <a:t>5/26/2022</a:t>
+              <a:t>5/27/2022</a:t>
             </a:fld>
             <a:endParaRPr lang="en-US" dirty="0"/>
           </a:p>
@@ -3101,7 +3106,7 @@
           <a:lstStyle/>
           <a:p>
             <a:r>
-              <a:rPr lang="en-US" smtClean="0"/>
+              <a:rPr lang="en-US"/>
               <a:t>Click to edit Master title style</a:t>
             </a:r>
             <a:endParaRPr lang="en-US" dirty="0"/>
@@ -3125,35 +3130,35 @@
           <a:p>
             <a:pPr lvl="0"/>
             <a:r>
-              <a:rPr lang="en-US" smtClean="0"/>
+              <a:rPr lang="en-US"/>
               <a:t>Click to edit Master text styles</a:t>
             </a:r>
           </a:p>
           <a:p>
             <a:pPr lvl="1"/>
             <a:r>
-              <a:rPr lang="en-US" smtClean="0"/>
+              <a:rPr lang="en-US"/>
               <a:t>Second level</a:t>
             </a:r>
           </a:p>
           <a:p>
             <a:pPr lvl="2"/>
             <a:r>
-              <a:rPr lang="en-US" smtClean="0"/>
+              <a:rPr lang="en-US"/>
               <a:t>Third level</a:t>
             </a:r>
           </a:p>
           <a:p>
             <a:pPr lvl="3"/>
             <a:r>
-              <a:rPr lang="en-US" smtClean="0"/>
+              <a:rPr lang="en-US"/>
               <a:t>Fourth level</a:t>
             </a:r>
           </a:p>
           <a:p>
             <a:pPr lvl="4"/>
             <a:r>
-              <a:rPr lang="en-US" smtClean="0"/>
+              <a:rPr lang="en-US"/>
               <a:t>Fifth level</a:t>
             </a:r>
             <a:endParaRPr lang="en-US" dirty="0"/>
@@ -3177,7 +3182,7 @@
           <a:p>
             <a:fld id="{52647F38-B617-4D2F-AE0A-013F0C4D2C57}" type="datetimeFigureOut">
               <a:rPr lang="en-US" dirty="0"/>
-              <a:t>5/26/2022</a:t>
+              <a:t>5/27/2022</a:t>
             </a:fld>
             <a:endParaRPr lang="en-US" dirty="0"/>
           </a:p>
@@ -3277,7 +3282,7 @@
           </a:lstStyle>
           <a:p>
             <a:r>
-              <a:rPr lang="en-US" smtClean="0"/>
+              <a:rPr lang="en-US"/>
               <a:t>Click to edit Master title style</a:t>
             </a:r>
             <a:endParaRPr lang="en-US" dirty="0"/>
@@ -3397,7 +3402,7 @@
           <a:p>
             <a:pPr lvl="0"/>
             <a:r>
-              <a:rPr lang="en-US" smtClean="0"/>
+              <a:rPr lang="en-US"/>
               <a:t>Click to edit Master text styles</a:t>
             </a:r>
           </a:p>
@@ -3421,7 +3426,7 @@
             <a:fld id="{B61BEF0D-F0BB-DE4B-95CE-6DB70DBA9567}" type="datetimeFigureOut">
               <a:rPr lang="en-US" dirty="0"/>
               <a:pPr/>
-              <a:t>5/26/2022</a:t>
+              <a:t>5/27/2022</a:t>
             </a:fld>
             <a:endParaRPr lang="en-US" dirty="0"/>
           </a:p>
@@ -3573,7 +3578,7 @@
           <a:lstStyle/>
           <a:p>
             <a:r>
-              <a:rPr lang="en-US" smtClean="0"/>
+              <a:rPr lang="en-US"/>
               <a:t>Click to edit Master title style</a:t>
             </a:r>
             <a:endParaRPr lang="en-US" dirty="0"/>
@@ -3604,35 +3609,35 @@
           <a:p>
             <a:pPr lvl="0"/>
             <a:r>
-              <a:rPr lang="en-US" smtClean="0"/>
+              <a:rPr lang="en-US"/>
               <a:t>Click to edit Master text styles</a:t>
             </a:r>
           </a:p>
           <a:p>
             <a:pPr lvl="1"/>
             <a:r>
-              <a:rPr lang="en-US" smtClean="0"/>
+              <a:rPr lang="en-US"/>
               <a:t>Second level</a:t>
             </a:r>
           </a:p>
           <a:p>
             <a:pPr lvl="2"/>
             <a:r>
-              <a:rPr lang="en-US" smtClean="0"/>
+              <a:rPr lang="en-US"/>
               <a:t>Third level</a:t>
             </a:r>
           </a:p>
           <a:p>
             <a:pPr lvl="3"/>
             <a:r>
-              <a:rPr lang="en-US" smtClean="0"/>
+              <a:rPr lang="en-US"/>
               <a:t>Fourth level</a:t>
             </a:r>
           </a:p>
           <a:p>
             <a:pPr lvl="4"/>
             <a:r>
-              <a:rPr lang="en-US" smtClean="0"/>
+              <a:rPr lang="en-US"/>
               <a:t>Fifth level</a:t>
             </a:r>
             <a:endParaRPr lang="en-US" dirty="0"/>
@@ -3663,35 +3668,35 @@
           <a:p>
             <a:pPr lvl="0"/>
             <a:r>
-              <a:rPr lang="en-US" smtClean="0"/>
+              <a:rPr lang="en-US"/>
               <a:t>Click to edit Master text styles</a:t>
             </a:r>
           </a:p>
           <a:p>
             <a:pPr lvl="1"/>
             <a:r>
-              <a:rPr lang="en-US" smtClean="0"/>
+              <a:rPr lang="en-US"/>
               <a:t>Second level</a:t>
             </a:r>
           </a:p>
           <a:p>
             <a:pPr lvl="2"/>
             <a:r>
-              <a:rPr lang="en-US" smtClean="0"/>
+              <a:rPr lang="en-US"/>
               <a:t>Third level</a:t>
             </a:r>
           </a:p>
           <a:p>
             <a:pPr lvl="3"/>
             <a:r>
-              <a:rPr lang="en-US" smtClean="0"/>
+              <a:rPr lang="en-US"/>
               <a:t>Fourth level</a:t>
             </a:r>
           </a:p>
           <a:p>
             <a:pPr lvl="4"/>
             <a:r>
-              <a:rPr lang="en-US" smtClean="0"/>
+              <a:rPr lang="en-US"/>
               <a:t>Fifth level</a:t>
             </a:r>
             <a:endParaRPr lang="en-US" dirty="0"/>
@@ -3715,7 +3720,7 @@
           <a:p>
             <a:fld id="{05BFA754-D5C3-4E66-96A6-867B257F58DC}" type="datetimeFigureOut">
               <a:rPr lang="en-US" dirty="0"/>
-              <a:t>5/26/2022</a:t>
+              <a:t>5/27/2022</a:t>
             </a:fld>
             <a:endParaRPr lang="en-US" dirty="0"/>
           </a:p>
@@ -3808,7 +3813,7 @@
           </a:lstStyle>
           <a:p>
             <a:r>
-              <a:rPr lang="en-US" smtClean="0"/>
+              <a:rPr lang="en-US"/>
               <a:t>Click to edit Master title style</a:t>
             </a:r>
             <a:endParaRPr lang="en-US" dirty="0"/>
@@ -3886,7 +3891,7 @@
           <a:p>
             <a:pPr lvl="0"/>
             <a:r>
-              <a:rPr lang="en-US" smtClean="0"/>
+              <a:rPr lang="en-US"/>
               <a:t>Click to edit Master text styles</a:t>
             </a:r>
           </a:p>
@@ -3916,35 +3921,35 @@
           <a:p>
             <a:pPr lvl="0"/>
             <a:r>
-              <a:rPr lang="en-US" smtClean="0"/>
+              <a:rPr lang="en-US"/>
               <a:t>Click to edit Master text styles</a:t>
             </a:r>
           </a:p>
           <a:p>
             <a:pPr lvl="1"/>
             <a:r>
-              <a:rPr lang="en-US" smtClean="0"/>
+              <a:rPr lang="en-US"/>
               <a:t>Second level</a:t>
             </a:r>
           </a:p>
           <a:p>
             <a:pPr lvl="2"/>
             <a:r>
-              <a:rPr lang="en-US" smtClean="0"/>
+              <a:rPr lang="en-US"/>
               <a:t>Third level</a:t>
             </a:r>
           </a:p>
           <a:p>
             <a:pPr lvl="3"/>
             <a:r>
-              <a:rPr lang="en-US" smtClean="0"/>
+              <a:rPr lang="en-US"/>
               <a:t>Fourth level</a:t>
             </a:r>
           </a:p>
           <a:p>
             <a:pPr lvl="4"/>
             <a:r>
-              <a:rPr lang="en-US" smtClean="0"/>
+              <a:rPr lang="en-US"/>
               <a:t>Fifth level</a:t>
             </a:r>
             <a:endParaRPr lang="en-US" dirty="0"/>
@@ -4022,7 +4027,7 @@
           <a:p>
             <a:pPr lvl="0"/>
             <a:r>
-              <a:rPr lang="en-US" smtClean="0"/>
+              <a:rPr lang="en-US"/>
               <a:t>Click to edit Master text styles</a:t>
             </a:r>
           </a:p>
@@ -4052,35 +4057,35 @@
           <a:p>
             <a:pPr lvl="0"/>
             <a:r>
-              <a:rPr lang="en-US" smtClean="0"/>
+              <a:rPr lang="en-US"/>
               <a:t>Click to edit Master text styles</a:t>
             </a:r>
           </a:p>
           <a:p>
             <a:pPr lvl="1"/>
             <a:r>
-              <a:rPr lang="en-US" smtClean="0"/>
+              <a:rPr lang="en-US"/>
               <a:t>Second level</a:t>
             </a:r>
           </a:p>
           <a:p>
             <a:pPr lvl="2"/>
             <a:r>
-              <a:rPr lang="en-US" smtClean="0"/>
+              <a:rPr lang="en-US"/>
               <a:t>Third level</a:t>
             </a:r>
           </a:p>
           <a:p>
             <a:pPr lvl="3"/>
             <a:r>
-              <a:rPr lang="en-US" smtClean="0"/>
+              <a:rPr lang="en-US"/>
               <a:t>Fourth level</a:t>
             </a:r>
           </a:p>
           <a:p>
             <a:pPr lvl="4"/>
             <a:r>
-              <a:rPr lang="en-US" smtClean="0"/>
+              <a:rPr lang="en-US"/>
               <a:t>Fifth level</a:t>
             </a:r>
             <a:endParaRPr lang="en-US" dirty="0"/>
@@ -4105,7 +4110,7 @@
             <a:fld id="{B61BEF0D-F0BB-DE4B-95CE-6DB70DBA9567}" type="datetimeFigureOut">
               <a:rPr lang="en-US" dirty="0"/>
               <a:pPr/>
-              <a:t>5/26/2022</a:t>
+              <a:t>5/27/2022</a:t>
             </a:fld>
             <a:endParaRPr lang="en-US" dirty="0"/>
           </a:p>
@@ -4226,7 +4231,7 @@
           <a:lstStyle/>
           <a:p>
             <a:r>
-              <a:rPr lang="en-US" smtClean="0"/>
+              <a:rPr lang="en-US"/>
               <a:t>Click to edit Master title style</a:t>
             </a:r>
             <a:endParaRPr lang="en-US" dirty="0"/>
@@ -4251,7 +4256,7 @@
             <a:fld id="{B61BEF0D-F0BB-DE4B-95CE-6DB70DBA9567}" type="datetimeFigureOut">
               <a:rPr lang="en-US" dirty="0"/>
               <a:pPr/>
-              <a:t>5/26/2022</a:t>
+              <a:t>5/27/2022</a:t>
             </a:fld>
             <a:endParaRPr lang="en-US" dirty="0"/>
           </a:p>
@@ -4374,7 +4379,7 @@
             <a:fld id="{B61BEF0D-F0BB-DE4B-95CE-6DB70DBA9567}" type="datetimeFigureOut">
               <a:rPr lang="en-US" dirty="0"/>
               <a:pPr/>
-              <a:t>5/26/2022</a:t>
+              <a:t>5/27/2022</a:t>
             </a:fld>
             <a:endParaRPr lang="en-US" dirty="0"/>
           </a:p>
@@ -4475,7 +4480,7 @@
           </a:lstStyle>
           <a:p>
             <a:r>
-              <a:rPr lang="en-US" smtClean="0"/>
+              <a:rPr lang="en-US"/>
               <a:t>Click to edit Master title style</a:t>
             </a:r>
             <a:endParaRPr lang="en-US" dirty="0"/>
@@ -4506,35 +4511,35 @@
           <a:p>
             <a:pPr lvl="0"/>
             <a:r>
-              <a:rPr lang="en-US" smtClean="0"/>
+              <a:rPr lang="en-US"/>
               <a:t>Click to edit Master text styles</a:t>
             </a:r>
           </a:p>
           <a:p>
             <a:pPr lvl="1"/>
             <a:r>
-              <a:rPr lang="en-US" smtClean="0"/>
+              <a:rPr lang="en-US"/>
               <a:t>Second level</a:t>
             </a:r>
           </a:p>
           <a:p>
             <a:pPr lvl="2"/>
             <a:r>
-              <a:rPr lang="en-US" smtClean="0"/>
+              <a:rPr lang="en-US"/>
               <a:t>Third level</a:t>
             </a:r>
           </a:p>
           <a:p>
             <a:pPr lvl="3"/>
             <a:r>
-              <a:rPr lang="en-US" smtClean="0"/>
+              <a:rPr lang="en-US"/>
               <a:t>Fourth level</a:t>
             </a:r>
           </a:p>
           <a:p>
             <a:pPr lvl="4"/>
             <a:r>
-              <a:rPr lang="en-US" smtClean="0"/>
+              <a:rPr lang="en-US"/>
               <a:t>Fifth level</a:t>
             </a:r>
             <a:endParaRPr lang="en-US" dirty="0"/>
@@ -4602,7 +4607,7 @@
           <a:p>
             <a:pPr lvl="0"/>
             <a:r>
-              <a:rPr lang="en-US" smtClean="0"/>
+              <a:rPr lang="en-US"/>
               <a:t>Click to edit Master text styles</a:t>
             </a:r>
           </a:p>
@@ -4626,7 +4631,7 @@
             <a:fld id="{B61BEF0D-F0BB-DE4B-95CE-6DB70DBA9567}" type="datetimeFigureOut">
               <a:rPr lang="en-US" dirty="0"/>
               <a:pPr/>
-              <a:t>5/26/2022</a:t>
+              <a:t>5/27/2022</a:t>
             </a:fld>
             <a:endParaRPr lang="en-US" dirty="0"/>
           </a:p>
@@ -4758,7 +4763,7 @@
           </a:lstStyle>
           <a:p>
             <a:r>
-              <a:rPr lang="en-US" smtClean="0"/>
+              <a:rPr lang="en-US"/>
               <a:t>Click to edit Master title style</a:t>
             </a:r>
             <a:endParaRPr lang="en-US" dirty="0"/>
@@ -4846,7 +4851,7 @@
           </a:lstStyle>
           <a:p>
             <a:r>
-              <a:rPr lang="en-US" smtClean="0"/>
+              <a:rPr lang="en-US"/>
               <a:t>Click icon to add picture</a:t>
             </a:r>
             <a:endParaRPr lang="en-US" dirty="0"/>
@@ -4914,7 +4919,7 @@
           <a:p>
             <a:pPr lvl="0"/>
             <a:r>
-              <a:rPr lang="en-US" smtClean="0"/>
+              <a:rPr lang="en-US"/>
               <a:t>Click to edit Master text styles</a:t>
             </a:r>
           </a:p>
@@ -4938,7 +4943,7 @@
             <a:fld id="{B61BEF0D-F0BB-DE4B-95CE-6DB70DBA9567}" type="datetimeFigureOut">
               <a:rPr lang="en-US" dirty="0"/>
               <a:pPr/>
-              <a:t>5/26/2022</a:t>
+              <a:t>5/27/2022</a:t>
             </a:fld>
             <a:endParaRPr lang="en-US" dirty="0"/>
           </a:p>
@@ -5181,7 +5186,7 @@
           <a:lstStyle/>
           <a:p>
             <a:r>
-              <a:rPr lang="en-US" smtClean="0"/>
+              <a:rPr lang="en-US"/>
               <a:t>Click to edit Master title style</a:t>
             </a:r>
             <a:endParaRPr lang="en-US" dirty="0"/>
@@ -5215,35 +5220,35 @@
           <a:p>
             <a:pPr lvl="0"/>
             <a:r>
-              <a:rPr lang="en-US" smtClean="0"/>
+              <a:rPr lang="en-US"/>
               <a:t>Click to edit Master text styles</a:t>
             </a:r>
           </a:p>
           <a:p>
             <a:pPr lvl="1"/>
             <a:r>
-              <a:rPr lang="en-US" smtClean="0"/>
+              <a:rPr lang="en-US"/>
               <a:t>Second level</a:t>
             </a:r>
           </a:p>
           <a:p>
             <a:pPr lvl="2"/>
             <a:r>
-              <a:rPr lang="en-US" smtClean="0"/>
+              <a:rPr lang="en-US"/>
               <a:t>Third level</a:t>
             </a:r>
           </a:p>
           <a:p>
             <a:pPr lvl="3"/>
             <a:r>
-              <a:rPr lang="en-US" smtClean="0"/>
+              <a:rPr lang="en-US"/>
               <a:t>Fourth level</a:t>
             </a:r>
           </a:p>
           <a:p>
             <a:pPr lvl="4"/>
             <a:r>
-              <a:rPr lang="en-US" smtClean="0"/>
+              <a:rPr lang="en-US"/>
               <a:t>Fifth level</a:t>
             </a:r>
             <a:endParaRPr lang="en-US" dirty="0"/>
@@ -5286,7 +5291,7 @@
             <a:fld id="{B61BEF0D-F0BB-DE4B-95CE-6DB70DBA9567}" type="datetimeFigureOut">
               <a:rPr lang="en-US" dirty="0"/>
               <a:pPr/>
-              <a:t>5/26/2022</a:t>
+              <a:t>5/27/2022</a:t>
             </a:fld>
             <a:endParaRPr lang="en-US" dirty="0"/>
           </a:p>
@@ -5841,10 +5846,9 @@
           <a:lstStyle/>
           <a:p>
             <a:r>
-              <a:rPr lang="en-GB" dirty="0" smtClean="0"/>
+              <a:rPr lang="en-GB" dirty="0"/>
               <a:t>Quantum programming environments</a:t>
             </a:r>
-            <a:endParaRPr lang="en-GB" dirty="0"/>
           </a:p>
         </p:txBody>
       </p:sp>
@@ -5864,14 +5868,13 @@
           <a:lstStyle/>
           <a:p>
             <a:r>
-              <a:rPr lang="en-GB" dirty="0" err="1" smtClean="0"/>
+              <a:rPr lang="en-GB" dirty="0" err="1"/>
               <a:t>Cojocari</a:t>
             </a:r>
             <a:r>
-              <a:rPr lang="en-GB" dirty="0" smtClean="0"/>
+              <a:rPr lang="en-GB" dirty="0"/>
               <a:t> Dmitri, IS11Z</a:t>
             </a:r>
-            <a:endParaRPr lang="en-GB" dirty="0"/>
           </a:p>
         </p:txBody>
       </p:sp>
@@ -5885,13 +5888,6 @@
   <p:clrMapOvr>
     <a:masterClrMapping/>
   </p:clrMapOvr>
-  <p:timing>
-    <p:tnLst>
-      <p:par>
-        <p:cTn id="1" dur="indefinite" restart="never" nodeType="tmRoot"/>
-      </p:par>
-    </p:tnLst>
-  </p:timing>
 </p:sld>
 </file>
 
@@ -5928,10 +5924,9 @@
           <a:lstStyle/>
           <a:p>
             <a:r>
-              <a:rPr lang="en-GB" dirty="0" smtClean="0"/>
+              <a:rPr lang="en-GB" dirty="0"/>
               <a:t>Quantum Assembly Language</a:t>
             </a:r>
-            <a:endParaRPr lang="en-GB" dirty="0"/>
           </a:p>
         </p:txBody>
       </p:sp>
@@ -5951,29 +5946,29 @@
           <a:lstStyle/>
           <a:p>
             <a:r>
-              <a:rPr lang="en-GB" dirty="0" smtClean="0"/>
+              <a:rPr lang="en-GB" dirty="0"/>
               <a:t>Open QASM</a:t>
             </a:r>
           </a:p>
           <a:p>
             <a:r>
-              <a:rPr lang="en-GB" dirty="0" smtClean="0"/>
+              <a:rPr lang="en-GB" dirty="0"/>
               <a:t>Quantum Experience Standard Header</a:t>
             </a:r>
           </a:p>
           <a:p>
             <a:r>
-              <a:rPr lang="en-GB" dirty="0" err="1" smtClean="0"/>
+              <a:rPr lang="en-GB" dirty="0" err="1"/>
               <a:t>OpenQASM</a:t>
             </a:r>
             <a:r>
-              <a:rPr lang="en-GB" dirty="0" smtClean="0"/>
+              <a:rPr lang="en-GB" dirty="0"/>
               <a:t> in IBM Quantum Experience</a:t>
             </a:r>
           </a:p>
           <a:p>
             <a:r>
-              <a:rPr lang="en-GB" dirty="0" smtClean="0"/>
+              <a:rPr lang="en-GB" dirty="0"/>
               <a:t>Quantum Adder</a:t>
             </a:r>
           </a:p>
@@ -5989,13 +5984,6 @@
   <p:clrMapOvr>
     <a:masterClrMapping/>
   </p:clrMapOvr>
-  <p:timing>
-    <p:tnLst>
-      <p:par>
-        <p:cTn id="1" dur="indefinite" restart="never" nodeType="tmRoot"/>
-      </p:par>
-    </p:tnLst>
-  </p:timing>
 </p:sld>
 </file>
 
@@ -6032,10 +6020,9 @@
           <a:lstStyle/>
           <a:p>
             <a:r>
-              <a:rPr lang="en-GB" dirty="0" smtClean="0"/>
+              <a:rPr lang="en-GB" dirty="0"/>
               <a:t>Open QASM</a:t>
             </a:r>
-            <a:endParaRPr lang="en-GB" dirty="0"/>
           </a:p>
         </p:txBody>
       </p:sp>
@@ -6054,16 +6041,19 @@
           <a:bodyPr/>
           <a:lstStyle/>
           <a:p>
+            <a:pPr marL="0" indent="0">
+              <a:buNone/>
+            </a:pPr>
             <a:r>
               <a:rPr lang="en-US" dirty="0"/>
-              <a:t>Rather than dragging and dropping quantum gates to create a circuit, they can also be written using programming languages. It is possible to describe quantum circuits using </a:t>
-            </a:r>
-            <a:r>
-              <a:rPr lang="en-US" dirty="0" err="1" smtClean="0"/>
+              <a:t>	Rather than dragging and dropping quantum gates to create a circuit, they can also be written using programming languages. It is possible to describe quantum circuits using </a:t>
+            </a:r>
+            <a:r>
+              <a:rPr lang="en-US" dirty="0" err="1"/>
               <a:t>OpenQASM</a:t>
             </a:r>
             <a:r>
-              <a:rPr lang="en-US" dirty="0" smtClean="0"/>
+              <a:rPr lang="en-US" dirty="0"/>
               <a:t>.</a:t>
             </a:r>
           </a:p>
@@ -6104,13 +6094,6 @@
   <p:clrMapOvr>
     <a:masterClrMapping/>
   </p:clrMapOvr>
-  <p:timing>
-    <p:tnLst>
-      <p:par>
-        <p:cTn id="1" dur="indefinite" restart="never" nodeType="tmRoot"/>
-      </p:par>
-    </p:tnLst>
-  </p:timing>
 </p:sld>
 </file>
 
@@ -6147,10 +6130,9 @@
           <a:lstStyle/>
           <a:p>
             <a:r>
-              <a:rPr lang="en-GB" dirty="0" smtClean="0"/>
+              <a:rPr lang="en-GB" dirty="0"/>
               <a:t>Quantum Experience Standard Header</a:t>
             </a:r>
-            <a:endParaRPr lang="en-GB" dirty="0"/>
           </a:p>
         </p:txBody>
       </p:sp>
@@ -6170,16 +6152,8 @@
           <a:lstStyle/>
           <a:p>
             <a:r>
-              <a:rPr lang="en-US" dirty="0" smtClean="0"/>
-              <a:t>It </a:t>
-            </a:r>
-            <a:r>
               <a:rPr lang="en-US" dirty="0"/>
-              <a:t>would be convenient if commonly used quantum gates like X, Y , Z, H, and others were predefined. Thankfully, these and many of the gates used by IBM Quantum Experience are defined in the library qelib1.inc, called the IBM Quantum Experience standard </a:t>
-            </a:r>
-            <a:r>
-              <a:rPr lang="en-US" dirty="0" smtClean="0"/>
-              <a:t>header.</a:t>
+              <a:t>It would be convenient if commonly used quantum gates like X, Y , Z, H, and others were predefined. Thankfully, these and many of the gates used by IBM Quantum Experience are defined in the library qelib1.inc, called the IBM Quantum Experience standard header.</a:t>
             </a:r>
           </a:p>
           <a:p>
@@ -6219,13 +6193,6 @@
   <p:clrMapOvr>
     <a:masterClrMapping/>
   </p:clrMapOvr>
-  <p:timing>
-    <p:tnLst>
-      <p:par>
-        <p:cTn id="1" dur="indefinite" restart="never" nodeType="tmRoot"/>
-      </p:par>
-    </p:tnLst>
-  </p:timing>
 </p:sld>
 </file>
 
@@ -6262,14 +6229,13 @@
           <a:lstStyle/>
           <a:p>
             <a:r>
-              <a:rPr lang="en-GB" dirty="0" err="1" smtClean="0"/>
+              <a:rPr lang="en-GB" dirty="0" err="1"/>
               <a:t>OpenQASM</a:t>
             </a:r>
             <a:r>
-              <a:rPr lang="en-GB" dirty="0" smtClean="0"/>
+              <a:rPr lang="en-GB" dirty="0"/>
               <a:t> in IBM Quantum Experience</a:t>
             </a:r>
-            <a:endParaRPr lang="en-GB" dirty="0"/>
           </a:p>
         </p:txBody>
       </p:sp>
@@ -6293,11 +6259,11 @@
               <a:t>Besides dragging and dropping quantum gates, IBM Quantum Experience also supports programming using </a:t>
             </a:r>
             <a:r>
-              <a:rPr lang="en-US" dirty="0" err="1" smtClean="0"/>
+              <a:rPr lang="en-US" dirty="0" err="1"/>
               <a:t>OpenQASM</a:t>
             </a:r>
             <a:r>
-              <a:rPr lang="en-US" dirty="0" smtClean="0"/>
+              <a:rPr lang="en-US" dirty="0"/>
               <a:t>.</a:t>
             </a:r>
             <a:endParaRPr lang="en-GB" dirty="0"/>
@@ -6314,13 +6280,6 @@
   <p:clrMapOvr>
     <a:masterClrMapping/>
   </p:clrMapOvr>
-  <p:timing>
-    <p:tnLst>
-      <p:par>
-        <p:cTn id="1" dur="indefinite" restart="never" nodeType="tmRoot"/>
-      </p:par>
-    </p:tnLst>
-  </p:timing>
 </p:sld>
 </file>
 
@@ -6357,10 +6316,9 @@
           <a:lstStyle/>
           <a:p>
             <a:r>
-              <a:rPr lang="en-GB" dirty="0" smtClean="0"/>
+              <a:rPr lang="en-GB" dirty="0"/>
               <a:t>Quantum Adder</a:t>
             </a:r>
-            <a:endParaRPr lang="en-GB" dirty="0"/>
           </a:p>
         </p:txBody>
       </p:sp>
@@ -6389,11 +6347,7 @@
             </a:r>
             <a:r>
               <a:rPr lang="en-US" dirty="0"/>
-              <a:t> code to add 1110 + 1011 = 11001 </a:t>
-            </a:r>
-            <a:r>
-              <a:rPr lang="en-US" dirty="0" smtClean="0"/>
-              <a:t>and simulate it in IBM Quantum Experience.</a:t>
+              <a:t> code to add 1110 + 1011 = 11001 and simulate it in IBM Quantum Experience.</a:t>
             </a:r>
             <a:endParaRPr lang="en-GB" dirty="0"/>
           </a:p>
@@ -6409,13 +6363,6 @@
   <p:clrMapOvr>
     <a:masterClrMapping/>
   </p:clrMapOvr>
-  <p:timing>
-    <p:tnLst>
-      <p:par>
-        <p:cTn id="1" dur="indefinite" restart="never" nodeType="tmRoot"/>
-      </p:par>
-    </p:tnLst>
-  </p:timing>
 </p:sld>
 </file>
 
@@ -6452,14 +6399,13 @@
           <a:lstStyle/>
           <a:p>
             <a:r>
-              <a:rPr lang="en-GB" dirty="0" err="1" smtClean="0"/>
+              <a:rPr lang="en-GB" dirty="0" err="1"/>
               <a:t>Qiskit</a:t>
             </a:r>
             <a:r>
-              <a:rPr lang="en-GB" dirty="0" smtClean="0"/>
+              <a:rPr lang="en-GB" dirty="0"/>
               <a:t> SDK</a:t>
             </a:r>
-            <a:endParaRPr lang="en-GB" dirty="0"/>
           </a:p>
         </p:txBody>
       </p:sp>
@@ -6500,13 +6446,6 @@
   <p:clrMapOvr>
     <a:masterClrMapping/>
   </p:clrMapOvr>
-  <p:timing>
-    <p:tnLst>
-      <p:par>
-        <p:cTn id="1" dur="indefinite" restart="never" nodeType="tmRoot"/>
-      </p:par>
-    </p:tnLst>
-  </p:timing>
 </p:sld>
 </file>
 
@@ -6543,10 +6482,9 @@
           <a:lstStyle/>
           <a:p>
             <a:r>
-              <a:rPr lang="en-GB" dirty="0" smtClean="0"/>
+              <a:rPr lang="en-GB" dirty="0"/>
               <a:t>Conclusions</a:t>
             </a:r>
-            <a:endParaRPr lang="en-GB" dirty="0"/>
           </a:p>
         </p:txBody>
       </p:sp>
@@ -6567,21 +6505,13 @@
           <a:p>
             <a:r>
               <a:rPr lang="en-US" dirty="0"/>
-              <a:t>Quantum computing is progressing from an academic research interest to a nascent industry</a:t>
-            </a:r>
-            <a:r>
-              <a:rPr lang="en-US" dirty="0" smtClean="0"/>
-              <a:t>.</a:t>
+              <a:t>Quantum computing is progressing from an academic research interest to a nascent industry.</a:t>
             </a:r>
           </a:p>
           <a:p>
             <a:r>
               <a:rPr lang="en-US" dirty="0"/>
-              <a:t>Quantum Computing is here to stay for a long time. Even though it is still at its origins, it has the potential to revolutionize the world and to attain such heights that no one ever thought was possible</a:t>
-            </a:r>
-            <a:r>
-              <a:rPr lang="en-US" dirty="0" smtClean="0"/>
-              <a:t>.</a:t>
+              <a:t>Quantum Computing is here to stay for a long time. Even though it is still at its origins, it has the potential to revolutionize the world and to attain such heights that no one ever thought was possible.</a:t>
             </a:r>
             <a:endParaRPr lang="en-GB" dirty="0"/>
           </a:p>
@@ -6597,13 +6527,6 @@
   <p:clrMapOvr>
     <a:masterClrMapping/>
   </p:clrMapOvr>
-  <p:timing>
-    <p:tnLst>
-      <p:par>
-        <p:cTn id="1" dur="indefinite" restart="never" nodeType="tmRoot"/>
-      </p:par>
-    </p:tnLst>
-  </p:timing>
 </p:sld>
 </file>
 
@@ -6624,53 +6547,64 @@
           <a:chExt cx="0" cy="0"/>
         </a:xfrm>
       </p:grpSpPr>
-      <p:pic>
-        <p:nvPicPr>
-          <p:cNvPr id="4" name="Picture 3"/>
-          <p:cNvPicPr>
-            <a:picLocks noChangeAspect="1"/>
-          </p:cNvPicPr>
-          <p:nvPr/>
-        </p:nvPicPr>
-        <p:blipFill>
-          <a:blip r:embed="rId2">
+      <p:sp>
+        <p:nvSpPr>
+          <p:cNvPr id="5" name="Rectangle 4">
             <a:extLst>
-              <a:ext uri="{28A0092B-C50C-407E-A947-70E740481C1C}">
-                <a14:useLocalDpi xmlns:a14="http://schemas.microsoft.com/office/drawing/2010/main" val="0"/>
+              <a:ext uri="{FF2B5EF4-FFF2-40B4-BE49-F238E27FC236}">
+                <a16:creationId xmlns:a16="http://schemas.microsoft.com/office/drawing/2014/main" id="{BCF99361-0B97-40C8-A765-25202668D6E2}"/>
               </a:ext>
             </a:extLst>
-          </a:blip>
-          <a:stretch>
-            <a:fillRect/>
-          </a:stretch>
-        </p:blipFill>
+          </p:cNvPr>
+          <p:cNvSpPr/>
+          <p:nvPr/>
+        </p:nvSpPr>
         <p:spPr>
           <a:xfrm>
-            <a:off x="1665514" y="624297"/>
-            <a:ext cx="8923565" cy="5610100"/>
+            <a:off x="2008864" y="2967335"/>
+            <a:ext cx="8174289" cy="923330"/>
           </a:xfrm>
           <a:prstGeom prst="rect">
             <a:avLst/>
           </a:prstGeom>
+          <a:noFill/>
         </p:spPr>
-      </p:pic>
+        <p:txBody>
+          <a:bodyPr wrap="none" lIns="91440" tIns="45720" rIns="91440" bIns="45720">
+            <a:spAutoFit/>
+          </a:bodyPr>
+          <a:lstStyle/>
+          <a:p>
+            <a:pPr algn="ctr"/>
+            <a:r>
+              <a:rPr lang="en-US" sz="5400" b="0" cap="none" spc="0" dirty="0">
+                <a:ln w="0"/>
+                <a:solidFill>
+                  <a:schemeClr val="tx1"/>
+                </a:solidFill>
+                <a:effectLst>
+                  <a:outerShdw blurRad="38100" dist="19050" dir="2700000" algn="tl" rotWithShape="0">
+                    <a:schemeClr val="dk1">
+                      <a:alpha val="40000"/>
+                    </a:schemeClr>
+                  </a:outerShdw>
+                </a:effectLst>
+              </a:rPr>
+              <a:t>Thank you for your attention</a:t>
+            </a:r>
+          </a:p>
+        </p:txBody>
+      </p:sp>
     </p:spTree>
     <p:extLst>
       <p:ext uri="{BB962C8B-B14F-4D97-AF65-F5344CB8AC3E}">
-        <p14:creationId xmlns:p14="http://schemas.microsoft.com/office/powerpoint/2010/main" val="1044389027"/>
+        <p14:creationId xmlns:p14="http://schemas.microsoft.com/office/powerpoint/2010/main" val="1981865543"/>
       </p:ext>
     </p:extLst>
   </p:cSld>
   <p:clrMapOvr>
     <a:masterClrMapping/>
   </p:clrMapOvr>
-  <p:timing>
-    <p:tnLst>
-      <p:par>
-        <p:cTn id="1" dur="indefinite" restart="never" nodeType="tmRoot"/>
-      </p:par>
-    </p:tnLst>
-  </p:timing>
 </p:sld>
 </file>
 
@@ -6707,10 +6641,9 @@
           <a:lstStyle/>
           <a:p>
             <a:r>
-              <a:rPr lang="en-GB" dirty="0" smtClean="0"/>
+              <a:rPr lang="en-GB" dirty="0"/>
               <a:t>Table of contents</a:t>
             </a:r>
-            <a:endParaRPr lang="en-GB" dirty="0"/>
           </a:p>
         </p:txBody>
       </p:sp>
@@ -6732,67 +6665,63 @@
           <a:lstStyle/>
           <a:p>
             <a:r>
-              <a:rPr lang="en-GB" dirty="0" smtClean="0"/>
+              <a:rPr lang="en-GB" dirty="0"/>
               <a:t>Introduction</a:t>
             </a:r>
           </a:p>
           <a:p>
             <a:r>
-              <a:rPr lang="en-GB" dirty="0" smtClean="0"/>
+              <a:rPr lang="en-GB" dirty="0"/>
               <a:t>IBM Quantum Experience</a:t>
             </a:r>
           </a:p>
           <a:p>
             <a:pPr lvl="1"/>
             <a:r>
-              <a:rPr lang="en-GB" dirty="0" smtClean="0"/>
+              <a:rPr lang="en-GB" dirty="0"/>
               <a:t>IBM Quantum Services</a:t>
             </a:r>
           </a:p>
           <a:p>
             <a:pPr lvl="1"/>
             <a:r>
-              <a:rPr lang="en-GB" dirty="0" smtClean="0"/>
+              <a:rPr lang="en-GB" dirty="0"/>
               <a:t>Circuit Composer</a:t>
             </a:r>
           </a:p>
           <a:p>
             <a:pPr lvl="1"/>
             <a:r>
-              <a:rPr lang="en-GB" dirty="0" smtClean="0"/>
+              <a:rPr lang="en-GB" dirty="0"/>
               <a:t>Quantum Processor</a:t>
             </a:r>
           </a:p>
           <a:p>
             <a:pPr lvl="1"/>
             <a:r>
-              <a:rPr lang="en-GB" dirty="0" smtClean="0"/>
+              <a:rPr lang="en-GB" dirty="0"/>
               <a:t>Circuit Simulator</a:t>
             </a:r>
           </a:p>
           <a:p>
             <a:r>
-              <a:rPr lang="en-GB" dirty="0" smtClean="0"/>
+              <a:rPr lang="en-GB" dirty="0"/>
               <a:t>Quantum Assembly Language</a:t>
             </a:r>
           </a:p>
           <a:p>
             <a:pPr lvl="1"/>
             <a:r>
-              <a:rPr lang="en-GB" dirty="0" err="1" smtClean="0"/>
+              <a:rPr lang="en-GB" dirty="0" err="1"/>
               <a:t>OpenQASM</a:t>
             </a:r>
-            <a:endParaRPr lang="en-GB" dirty="0" smtClean="0"/>
+            <a:endParaRPr lang="en-GB" dirty="0"/>
           </a:p>
           <a:p>
             <a:pPr lvl="1"/>
             <a:r>
               <a:rPr lang="en-US" dirty="0"/>
-              <a:t>Quantum Experience Standard </a:t>
-            </a:r>
-            <a:r>
-              <a:rPr lang="en-US" dirty="0" smtClean="0"/>
-              <a:t>Header</a:t>
+              <a:t>Quantum Experience Standard Header</a:t>
             </a:r>
           </a:p>
           <a:p>
@@ -6803,11 +6732,7 @@
             </a:r>
             <a:r>
               <a:rPr lang="en-US" dirty="0"/>
-              <a:t> in IBM Quantum </a:t>
-            </a:r>
-            <a:r>
-              <a:rPr lang="en-US" dirty="0" smtClean="0"/>
-              <a:t>Experience</a:t>
+              <a:t> in IBM Quantum Experience</a:t>
             </a:r>
           </a:p>
           <a:p>
@@ -6816,21 +6741,21 @@
               <a:rPr lang="en-US" dirty="0"/>
               <a:t>Quantum Adder</a:t>
             </a:r>
-            <a:endParaRPr lang="en-GB" dirty="0" smtClean="0"/>
-          </a:p>
-          <a:p>
-            <a:r>
-              <a:rPr lang="en-GB" dirty="0" err="1" smtClean="0"/>
+            <a:endParaRPr lang="en-GB" dirty="0"/>
+          </a:p>
+          <a:p>
+            <a:r>
+              <a:rPr lang="en-GB" dirty="0" err="1"/>
               <a:t>Qiskit</a:t>
             </a:r>
             <a:r>
-              <a:rPr lang="en-GB" dirty="0" smtClean="0"/>
+              <a:rPr lang="en-GB" dirty="0"/>
               <a:t> SDK</a:t>
             </a:r>
           </a:p>
           <a:p>
             <a:r>
-              <a:rPr lang="en-GB" dirty="0" smtClean="0"/>
+              <a:rPr lang="en-GB" dirty="0"/>
               <a:t>Conclusions</a:t>
             </a:r>
           </a:p>
@@ -6849,13 +6774,6 @@
   <p:clrMapOvr>
     <a:masterClrMapping/>
   </p:clrMapOvr>
-  <p:timing>
-    <p:tnLst>
-      <p:par>
-        <p:cTn id="1" dur="indefinite" restart="never" nodeType="tmRoot"/>
-      </p:par>
-    </p:tnLst>
-  </p:timing>
 </p:sld>
 </file>
 
@@ -6892,10 +6810,9 @@
           <a:lstStyle/>
           <a:p>
             <a:r>
-              <a:rPr lang="en-GB" dirty="0" smtClean="0"/>
+              <a:rPr lang="en-GB" dirty="0"/>
               <a:t>Introduction</a:t>
             </a:r>
-            <a:endParaRPr lang="en-GB" dirty="0"/>
           </a:p>
         </p:txBody>
       </p:sp>
@@ -6915,22 +6832,21 @@
           <a:lstStyle/>
           <a:p>
             <a:r>
-              <a:rPr lang="en-GB" dirty="0" smtClean="0"/>
+              <a:rPr lang="en-GB" dirty="0"/>
               <a:t>Computers</a:t>
             </a:r>
           </a:p>
           <a:p>
             <a:r>
-              <a:rPr lang="en-GB" dirty="0" smtClean="0"/>
+              <a:rPr lang="en-GB" dirty="0"/>
               <a:t>Classical computing</a:t>
             </a:r>
           </a:p>
           <a:p>
             <a:r>
-              <a:rPr lang="en-GB" dirty="0" smtClean="0"/>
+              <a:rPr lang="en-GB" dirty="0"/>
               <a:t>Quantum computing</a:t>
             </a:r>
-            <a:endParaRPr lang="en-GB" dirty="0"/>
           </a:p>
         </p:txBody>
       </p:sp>
@@ -6944,13 +6860,6 @@
   <p:clrMapOvr>
     <a:masterClrMapping/>
   </p:clrMapOvr>
-  <p:timing>
-    <p:tnLst>
-      <p:par>
-        <p:cTn id="1" dur="indefinite" restart="never" nodeType="tmRoot"/>
-      </p:par>
-    </p:tnLst>
-  </p:timing>
 </p:sld>
 </file>
 
@@ -6987,10 +6896,9 @@
           <a:lstStyle/>
           <a:p>
             <a:r>
-              <a:rPr lang="en-GB" dirty="0" smtClean="0"/>
+              <a:rPr lang="en-GB" dirty="0"/>
               <a:t>IBM Quantum Experience</a:t>
             </a:r>
-            <a:endParaRPr lang="en-GB" dirty="0"/>
           </a:p>
         </p:txBody>
       </p:sp>
@@ -7010,28 +6918,27 @@
           <a:lstStyle/>
           <a:p>
             <a:r>
-              <a:rPr lang="en-GB" dirty="0" smtClean="0"/>
+              <a:rPr lang="en-GB" dirty="0"/>
               <a:t>IBM Quantum Services</a:t>
             </a:r>
           </a:p>
           <a:p>
             <a:r>
-              <a:rPr lang="en-GB" dirty="0" smtClean="0"/>
+              <a:rPr lang="en-GB" dirty="0"/>
               <a:t>Circuit Composer</a:t>
             </a:r>
           </a:p>
           <a:p>
             <a:r>
-              <a:rPr lang="en-GB" dirty="0" smtClean="0"/>
+              <a:rPr lang="en-GB" dirty="0"/>
               <a:t>Quantum Processor</a:t>
             </a:r>
           </a:p>
           <a:p>
             <a:r>
-              <a:rPr lang="en-GB" dirty="0" smtClean="0"/>
+              <a:rPr lang="en-GB" dirty="0"/>
               <a:t>Circuit Simulator</a:t>
             </a:r>
-            <a:endParaRPr lang="en-GB" dirty="0"/>
           </a:p>
         </p:txBody>
       </p:sp>
@@ -7045,13 +6952,6 @@
   <p:clrMapOvr>
     <a:masterClrMapping/>
   </p:clrMapOvr>
-  <p:timing>
-    <p:tnLst>
-      <p:par>
-        <p:cTn id="1" dur="indefinite" restart="never" nodeType="tmRoot"/>
-      </p:par>
-    </p:tnLst>
-  </p:timing>
 </p:sld>
 </file>
 
@@ -7088,10 +6988,9 @@
           <a:lstStyle/>
           <a:p>
             <a:r>
-              <a:rPr lang="en-GB" dirty="0" smtClean="0"/>
+              <a:rPr lang="en-GB" dirty="0"/>
               <a:t>IBM Quantum Services</a:t>
             </a:r>
-            <a:endParaRPr lang="en-GB" dirty="0"/>
           </a:p>
         </p:txBody>
       </p:sp>
@@ -7128,13 +7027,6 @@
   <p:clrMapOvr>
     <a:masterClrMapping/>
   </p:clrMapOvr>
-  <p:timing>
-    <p:tnLst>
-      <p:par>
-        <p:cTn id="1" dur="indefinite" restart="never" nodeType="tmRoot"/>
-      </p:par>
-    </p:tnLst>
-  </p:timing>
 </p:sld>
 </file>
 
@@ -7171,40 +7063,35 @@
           <a:lstStyle/>
           <a:p>
             <a:r>
-              <a:rPr lang="en-GB" dirty="0" smtClean="0"/>
+              <a:rPr lang="en-GB" dirty="0"/>
               <a:t>Circuit Composer</a:t>
             </a:r>
+          </a:p>
+        </p:txBody>
+      </p:sp>
+      <p:sp>
+        <p:nvSpPr>
+          <p:cNvPr id="3" name="Content Placeholder 2"/>
+          <p:cNvSpPr>
+            <a:spLocks noGrp="1"/>
+          </p:cNvSpPr>
+          <p:nvPr>
+            <p:ph idx="1"/>
+          </p:nvPr>
+        </p:nvSpPr>
+        <p:spPr/>
+        <p:txBody>
+          <a:bodyPr/>
+          <a:lstStyle/>
+          <a:p>
+            <a:r>
+              <a:rPr lang="en-US" dirty="0"/>
+              <a:t>The Circuit Composer provides a drag-and-drop interface for programming quantum circuits.</a:t>
+            </a:r>
             <a:endParaRPr lang="en-GB" dirty="0"/>
           </a:p>
-        </p:txBody>
-      </p:sp>
-      <p:sp>
-        <p:nvSpPr>
-          <p:cNvPr id="3" name="Content Placeholder 2"/>
-          <p:cNvSpPr>
-            <a:spLocks noGrp="1"/>
-          </p:cNvSpPr>
-          <p:nvPr>
-            <p:ph idx="1"/>
-          </p:nvPr>
-        </p:nvSpPr>
-        <p:spPr/>
-        <p:txBody>
-          <a:bodyPr/>
-          <a:lstStyle/>
-          <a:p>
-            <a:r>
-              <a:rPr lang="en-US" dirty="0"/>
-              <a:t>The Circuit Composer provides a drag-and-drop interface for programming quantum circuits</a:t>
-            </a:r>
-            <a:r>
-              <a:rPr lang="en-US" dirty="0" smtClean="0"/>
-              <a:t>.</a:t>
-            </a:r>
-            <a:endParaRPr lang="en-GB" dirty="0" smtClean="0"/>
-          </a:p>
-          <a:p>
-            <a:endParaRPr lang="en-US" dirty="0" smtClean="0"/>
+          <a:p>
+            <a:endParaRPr lang="en-US" dirty="0"/>
           </a:p>
         </p:txBody>
       </p:sp>
@@ -7218,13 +7105,6 @@
   <p:clrMapOvr>
     <a:masterClrMapping/>
   </p:clrMapOvr>
-  <p:timing>
-    <p:tnLst>
-      <p:par>
-        <p:cTn id="1" dur="indefinite" restart="never" nodeType="tmRoot"/>
-      </p:par>
-    </p:tnLst>
-  </p:timing>
 </p:sld>
 </file>
 
@@ -7261,10 +7141,9 @@
           <a:lstStyle/>
           <a:p>
             <a:r>
-              <a:rPr lang="en-GB" dirty="0" smtClean="0"/>
+              <a:rPr lang="en-GB" dirty="0"/>
               <a:t>Circuit Composer</a:t>
             </a:r>
-            <a:endParaRPr lang="en-GB" dirty="0"/>
           </a:p>
         </p:txBody>
       </p:sp>
@@ -7367,13 +7246,6 @@
   <p:clrMapOvr>
     <a:masterClrMapping/>
   </p:clrMapOvr>
-  <p:timing>
-    <p:tnLst>
-      <p:par>
-        <p:cTn id="1" dur="indefinite" restart="never" nodeType="tmRoot"/>
-      </p:par>
-    </p:tnLst>
-  </p:timing>
 </p:sld>
 </file>
 
@@ -7410,10 +7282,9 @@
           <a:lstStyle/>
           <a:p>
             <a:r>
-              <a:rPr lang="en-GB" dirty="0" smtClean="0"/>
+              <a:rPr lang="en-GB" dirty="0"/>
               <a:t>Quantum Processor</a:t>
             </a:r>
-            <a:endParaRPr lang="en-GB" dirty="0"/>
           </a:p>
         </p:txBody>
       </p:sp>
@@ -7434,11 +7305,7 @@
           <a:p>
             <a:r>
               <a:rPr lang="en-US" dirty="0"/>
-              <a:t>It is possible to run the quantum circuit on one of IBM’s actual quantum </a:t>
-            </a:r>
-            <a:r>
-              <a:rPr lang="en-US" dirty="0" smtClean="0"/>
-              <a:t>processors.</a:t>
+              <a:t>It is possible to run the quantum circuit on one of IBM’s actual quantum processors.</a:t>
             </a:r>
             <a:endParaRPr lang="en-GB" dirty="0"/>
           </a:p>
@@ -7478,13 +7345,6 @@
   <p:clrMapOvr>
     <a:masterClrMapping/>
   </p:clrMapOvr>
-  <p:timing>
-    <p:tnLst>
-      <p:par>
-        <p:cTn id="1" dur="indefinite" restart="never" nodeType="tmRoot"/>
-      </p:par>
-    </p:tnLst>
-  </p:timing>
 </p:sld>
 </file>
 
@@ -7521,10 +7381,9 @@
           <a:lstStyle/>
           <a:p>
             <a:r>
-              <a:rPr lang="en-GB" dirty="0" smtClean="0"/>
+              <a:rPr lang="en-GB" dirty="0"/>
               <a:t>Circuit Simulator</a:t>
             </a:r>
-            <a:endParaRPr lang="en-GB" dirty="0"/>
           </a:p>
         </p:txBody>
       </p:sp>
@@ -7569,13 +7428,6 @@
   <p:clrMapOvr>
     <a:masterClrMapping/>
   </p:clrMapOvr>
-  <p:timing>
-    <p:tnLst>
-      <p:par>
-        <p:cTn id="1" dur="indefinite" restart="never" nodeType="tmRoot"/>
-      </p:par>
-    </p:tnLst>
-  </p:timing>
 </p:sld>
 </file>
 
